--- a/ppt/pythonlearn-02-expressions.pptx
+++ b/ppt/pythonlearn-02-expressions.pptx
@@ -280,7 +280,7 @@
           </a:bodyPr>
           <a:p>
             <a:pPr algn="r"/>
-            <a:fld id="{EE297DBE-67E6-433B-A08C-F3B553018DA7}" type="slidenum">
+            <a:fld id="{DEFDCAE5-8152-43C5-89E4-1E93149BD295}" type="slidenum">
               <a:rPr b="0" lang="en-US" sz="1400" spc="-1" strike="noStrike">
                 <a:latin typeface="Times New Roman"/>
               </a:rPr>
@@ -6297,7 +6297,16 @@
                 </a:solidFill>
                 <a:latin typeface="Arial"/>
               </a:rPr>
-              <a:t>Click to edit the title text format</a:t>
+              <a:t>Click to edit the title </a:t>
+            </a:r>
+            <a:r>
+              <a:rPr b="0" lang="en-US" sz="5400" spc="-1" strike="noStrike">
+                <a:solidFill>
+                  <a:srgbClr val="000000"/>
+                </a:solidFill>
+                <a:latin typeface="Arial"/>
+              </a:rPr>
+              <a:t>text format</a:t>
             </a:r>
             <a:endParaRPr b="0" lang="en-US" sz="5400" spc="-1" strike="noStrike">
               <a:solidFill>
@@ -6660,7 +6669,25 @@
                 </a:solidFill>
                 <a:latin typeface="Arial"/>
               </a:rPr>
-              <a:t>Click to edit the title text format</a:t>
+              <a:t>Click to edit </a:t>
+            </a:r>
+            <a:r>
+              <a:rPr b="0" lang="en-US" sz="5400" spc="-1" strike="noStrike">
+                <a:solidFill>
+                  <a:srgbClr val="000000"/>
+                </a:solidFill>
+                <a:latin typeface="Arial"/>
+              </a:rPr>
+              <a:t>the title text </a:t>
+            </a:r>
+            <a:r>
+              <a:rPr b="0" lang="en-US" sz="5400" spc="-1" strike="noStrike">
+                <a:solidFill>
+                  <a:srgbClr val="000000"/>
+                </a:solidFill>
+                <a:latin typeface="Arial"/>
+              </a:rPr>
+              <a:t>format</a:t>
             </a:r>
             <a:endParaRPr b="0" lang="en-US" sz="5400" spc="-1" strike="noStrike">
               <a:solidFill>
@@ -7386,7 +7413,61 @@
                 </a:solidFill>
                 <a:latin typeface="Arial"/>
               </a:rPr>
-              <a:t>Click to edit the title text format</a:t>
+              <a:t>Click </a:t>
+            </a:r>
+            <a:r>
+              <a:rPr b="0" lang="en-US" sz="5400" spc="-1" strike="noStrike">
+                <a:solidFill>
+                  <a:srgbClr val="000000"/>
+                </a:solidFill>
+                <a:latin typeface="Arial"/>
+              </a:rPr>
+              <a:t>to edit </a:t>
+            </a:r>
+            <a:r>
+              <a:rPr b="0" lang="en-US" sz="5400" spc="-1" strike="noStrike">
+                <a:solidFill>
+                  <a:srgbClr val="000000"/>
+                </a:solidFill>
+                <a:latin typeface="Arial"/>
+              </a:rPr>
+              <a:t>the </a:t>
+            </a:r>
+            <a:r>
+              <a:rPr b="0" lang="en-US" sz="5400" spc="-1" strike="noStrike">
+                <a:solidFill>
+                  <a:srgbClr val="000000"/>
+                </a:solidFill>
+                <a:latin typeface="Arial"/>
+              </a:rPr>
+              <a:t>title </a:t>
+            </a:r>
+            <a:r>
+              <a:rPr b="0" lang="en-US" sz="5400" spc="-1" strike="noStrike">
+                <a:solidFill>
+                  <a:srgbClr val="000000"/>
+                </a:solidFill>
+                <a:latin typeface="Arial"/>
+              </a:rPr>
+              <a:t>text </a:t>
+            </a:r>
+            <a:r>
+              <a:rPr b="0" lang="en-US" sz="5400" spc="-1" strike="noStrike">
+                <a:solidFill>
+                  <a:srgbClr val="000000"/>
+                </a:solidFill>
+                <a:latin typeface="Arial"/>
+              </a:rPr>
+              <a:t>forma</a:t>
+            </a:r>
+            <a:r>
+              <a:rPr b="0" lang="en-US" sz="5400" spc="-1" strike="noStrike">
+                <a:solidFill>
+                  <a:srgbClr val="000000"/>
+                </a:solidFill>
+                <a:latin typeface="Arial"/>
+              </a:rPr>
+              <a:t>t</a:t>
             </a:r>
             <a:endParaRPr b="0" lang="en-US" sz="5400" spc="-1" strike="noStrike">
               <a:solidFill>
